--- a/Project/Document/WebTrafficPrediction_PythonDeepLearning.pptx
+++ b/Project/Document/WebTrafficPrediction_PythonDeepLearning.pptx
@@ -566,8 +566,8 @@
           </p:nvSpPr>
           <p:spPr>
             <a:xfrm>
-              <a:off x="1209674" y="4763"/>
-              <a:ext cx="23814" cy="2181225"/>
+              <a:off x="1209675" y="4763"/>
+              <a:ext cx="23813" cy="2181225"/>
             </a:xfrm>
             <a:prstGeom prst="rect">
               <a:avLst/>
@@ -729,8 +729,8 @@
           </p:nvSpPr>
           <p:spPr>
             <a:xfrm>
-              <a:off x="1123949" y="4021137"/>
-              <a:ext cx="190501" cy="188914"/>
+              <a:off x="1123950" y="4021137"/>
+              <a:ext cx="190500" cy="188914"/>
             </a:xfrm>
             <a:custGeom>
               <a:avLst/>
@@ -1188,8 +1188,8 @@
           </p:nvSpPr>
           <p:spPr>
             <a:xfrm>
-              <a:off x="1600199" y="1801813"/>
-              <a:ext cx="190501" cy="188914"/>
+              <a:off x="1600200" y="1801813"/>
+              <a:ext cx="190500" cy="188914"/>
             </a:xfrm>
             <a:custGeom>
               <a:avLst/>
@@ -1304,8 +1304,8 @@
           </p:nvSpPr>
           <p:spPr>
             <a:xfrm>
-              <a:off x="1381124" y="9525"/>
-              <a:ext cx="371476" cy="1425576"/>
+              <a:off x="1381125" y="9525"/>
+              <a:ext cx="371475" cy="1425576"/>
             </a:xfrm>
             <a:custGeom>
               <a:avLst/>
@@ -1394,7 +1394,7 @@
           </p:nvSpPr>
           <p:spPr>
             <a:xfrm>
-              <a:off x="1643062" y="0"/>
+              <a:off x="1643063" y="0"/>
               <a:ext cx="152401" cy="912814"/>
             </a:xfrm>
             <a:custGeom>
@@ -1484,8 +1484,8 @@
           </p:nvSpPr>
           <p:spPr>
             <a:xfrm>
-              <a:off x="1685924" y="1420813"/>
-              <a:ext cx="190501" cy="190501"/>
+              <a:off x="1685925" y="1420813"/>
+              <a:ext cx="190500" cy="190501"/>
             </a:xfrm>
             <a:custGeom>
               <a:avLst/>
@@ -1600,8 +1600,8 @@
           </p:nvSpPr>
           <p:spPr>
             <a:xfrm>
-              <a:off x="1685924" y="903288"/>
-              <a:ext cx="190501" cy="190501"/>
+              <a:off x="1685925" y="903288"/>
+              <a:ext cx="190500" cy="190501"/>
             </a:xfrm>
             <a:custGeom>
               <a:avLst/>
@@ -1716,8 +1716,8 @@
           </p:nvSpPr>
           <p:spPr>
             <a:xfrm>
-              <a:off x="1743074" y="4763"/>
-              <a:ext cx="419102" cy="522289"/>
+              <a:off x="1743075" y="4763"/>
+              <a:ext cx="419100" cy="522289"/>
             </a:xfrm>
             <a:custGeom>
               <a:avLst/>
@@ -1942,8 +1942,8 @@
           </p:nvSpPr>
           <p:spPr>
             <a:xfrm>
-              <a:off x="952499" y="4763"/>
-              <a:ext cx="152401" cy="908051"/>
+              <a:off x="952500" y="4763"/>
+              <a:ext cx="152400" cy="908051"/>
             </a:xfrm>
             <a:custGeom>
               <a:avLst/>
@@ -2032,8 +2032,8 @@
           </p:nvSpPr>
           <p:spPr>
             <a:xfrm>
-              <a:off x="866774" y="903288"/>
-              <a:ext cx="190501" cy="190501"/>
+              <a:off x="866775" y="903288"/>
+              <a:ext cx="190500" cy="190501"/>
             </a:xfrm>
             <a:custGeom>
               <a:avLst/>
@@ -2148,7 +2148,7 @@
           </p:nvSpPr>
           <p:spPr>
             <a:xfrm>
-              <a:off x="890587" y="1554163"/>
+              <a:off x="890587" y="1554162"/>
               <a:ext cx="190501" cy="190501"/>
             </a:xfrm>
             <a:custGeom>
@@ -2265,7 +2265,7 @@
           <p:spPr>
             <a:xfrm>
               <a:off x="738187" y="5622924"/>
-              <a:ext cx="338139" cy="1216026"/>
+              <a:ext cx="338140" cy="1216026"/>
             </a:xfrm>
             <a:custGeom>
               <a:avLst/>
@@ -2354,8 +2354,8 @@
           </p:nvSpPr>
           <p:spPr>
             <a:xfrm>
-              <a:off x="647699" y="5480049"/>
-              <a:ext cx="157164" cy="157164"/>
+              <a:off x="647700" y="5480049"/>
+              <a:ext cx="157163" cy="157164"/>
             </a:xfrm>
             <a:custGeom>
               <a:avLst/>
@@ -2670,8 +2670,8 @@
           </p:nvSpPr>
           <p:spPr>
             <a:xfrm>
-              <a:off x="66674" y="4149724"/>
-              <a:ext cx="190501" cy="188914"/>
+              <a:off x="66674" y="4149725"/>
+              <a:ext cx="190501" cy="188913"/>
             </a:xfrm>
             <a:custGeom>
               <a:avLst/>
@@ -2787,7 +2787,7 @@
           <p:spPr>
             <a:xfrm>
               <a:off x="-1" y="1644650"/>
-              <a:ext cx="133351" cy="269876"/>
+              <a:ext cx="133351" cy="269875"/>
             </a:xfrm>
             <a:custGeom>
               <a:avLst/>
@@ -3198,8 +3198,8 @@
           </p:nvSpPr>
           <p:spPr>
             <a:xfrm>
-              <a:off x="138112" y="5060949"/>
-              <a:ext cx="304801" cy="1778001"/>
+              <a:off x="138112" y="5060950"/>
+              <a:ext cx="304801" cy="1778000"/>
             </a:xfrm>
             <a:custGeom>
               <a:avLst/>
@@ -3226,10 +3226,10 @@
                     <a:pt x="21600" y="21600"/>
                   </a:moveTo>
                   <a:lnTo>
-                    <a:pt x="19913" y="21600"/>
+                    <a:pt x="19912" y="21600"/>
                   </a:lnTo>
                   <a:lnTo>
-                    <a:pt x="19913" y="6943"/>
+                    <a:pt x="19912" y="6943"/>
                   </a:lnTo>
                   <a:lnTo>
                     <a:pt x="0" y="3529"/>
@@ -3238,10 +3238,10 @@
                     <a:pt x="0" y="0"/>
                   </a:lnTo>
                   <a:lnTo>
-                    <a:pt x="1687" y="0"/>
+                    <a:pt x="1688" y="0"/>
                   </a:lnTo>
                   <a:lnTo>
-                    <a:pt x="1687" y="3414"/>
+                    <a:pt x="1688" y="3414"/>
                   </a:lnTo>
                   <a:lnTo>
                     <a:pt x="21600" y="6827"/>
@@ -3294,8 +3294,8 @@
           </p:nvSpPr>
           <p:spPr>
             <a:xfrm>
-              <a:off x="561974" y="6430962"/>
-              <a:ext cx="190501" cy="188914"/>
+              <a:off x="561975" y="6430962"/>
+              <a:ext cx="190500" cy="188914"/>
             </a:xfrm>
             <a:custGeom>
               <a:avLst/>
@@ -3410,7 +3410,7 @@
           </p:nvSpPr>
           <p:spPr>
             <a:xfrm>
-              <a:off x="642937" y="6610349"/>
+              <a:off x="642937" y="6610350"/>
               <a:ext cx="23814" cy="242888"/>
             </a:xfrm>
             <a:prstGeom prst="rect">
@@ -3664,7 +3664,7 @@
           <p:spPr>
             <a:xfrm>
               <a:off x="1014412" y="1801813"/>
-              <a:ext cx="214314" cy="755650"/>
+              <a:ext cx="214314" cy="755651"/>
             </a:xfrm>
             <a:custGeom>
               <a:avLst/>
@@ -4056,7 +4056,7 @@
           <p:spPr>
             <a:xfrm>
               <a:off x="1300162" y="1849438"/>
-              <a:ext cx="109539" cy="107950"/>
+              <a:ext cx="109539" cy="107951"/>
             </a:xfrm>
             <a:custGeom>
               <a:avLst/>
@@ -4261,8 +4261,8 @@
           </p:nvSpPr>
           <p:spPr>
             <a:xfrm>
-              <a:off x="238124" y="3883024"/>
-              <a:ext cx="109539" cy="109539"/>
+              <a:off x="238124" y="3883025"/>
+              <a:ext cx="109539" cy="109538"/>
             </a:xfrm>
             <a:custGeom>
               <a:avLst/>
@@ -4467,8 +4467,8 @@
           </p:nvSpPr>
           <p:spPr>
             <a:xfrm>
-              <a:off x="52387" y="2066924"/>
-              <a:ext cx="109539" cy="109539"/>
+              <a:off x="52387" y="2066925"/>
+              <a:ext cx="109539" cy="109538"/>
             </a:xfrm>
             <a:custGeom>
               <a:avLst/>
@@ -4583,8 +4583,8 @@
           </p:nvSpPr>
           <p:spPr>
             <a:xfrm>
-              <a:off x="1228724" y="4662487"/>
-              <a:ext cx="23814" cy="2181225"/>
+              <a:off x="1228725" y="4662487"/>
+              <a:ext cx="23813" cy="2181225"/>
             </a:xfrm>
             <a:prstGeom prst="rect">
               <a:avLst/>
@@ -4836,7 +4836,7 @@
           </p:nvSpPr>
           <p:spPr>
             <a:xfrm>
-              <a:off x="819149" y="3983037"/>
+              <a:off x="819150" y="3983037"/>
               <a:ext cx="347664" cy="2860676"/>
             </a:xfrm>
             <a:custGeom>
@@ -4926,8 +4926,8 @@
           </p:nvSpPr>
           <p:spPr>
             <a:xfrm>
-              <a:off x="728662" y="3806824"/>
-              <a:ext cx="190501" cy="190501"/>
+              <a:off x="728662" y="3806825"/>
+              <a:ext cx="190501" cy="190500"/>
             </a:xfrm>
             <a:custGeom>
               <a:avLst/>
@@ -5248,8 +5248,8 @@
           </p:nvSpPr>
           <p:spPr>
             <a:xfrm>
-              <a:off x="1666874" y="5945187"/>
-              <a:ext cx="152401" cy="912814"/>
+              <a:off x="1666875" y="5945187"/>
+              <a:ext cx="152400" cy="912814"/>
             </a:xfrm>
             <a:custGeom>
               <a:avLst/>
@@ -5338,7 +5338,7 @@
           </p:nvSpPr>
           <p:spPr>
             <a:xfrm>
-              <a:off x="1709737" y="5246687"/>
+              <a:off x="1709738" y="5246687"/>
               <a:ext cx="190501" cy="190501"/>
             </a:xfrm>
             <a:custGeom>
@@ -5454,7 +5454,7 @@
           </p:nvSpPr>
           <p:spPr>
             <a:xfrm>
-              <a:off x="1709737" y="5764212"/>
+              <a:off x="1709738" y="5764212"/>
               <a:ext cx="190501" cy="190501"/>
             </a:xfrm>
             <a:custGeom>
@@ -5570,8 +5570,8 @@
           </p:nvSpPr>
           <p:spPr>
             <a:xfrm>
-              <a:off x="1766887" y="6330949"/>
-              <a:ext cx="419102" cy="527051"/>
+              <a:off x="1766888" y="6330949"/>
+              <a:ext cx="419101" cy="527051"/>
             </a:xfrm>
             <a:custGeom>
               <a:avLst/>
@@ -5660,8 +5660,8 @@
           </p:nvSpPr>
           <p:spPr>
             <a:xfrm>
-              <a:off x="2147887" y="6221412"/>
-              <a:ext cx="150021" cy="147639"/>
+              <a:off x="2147888" y="6221412"/>
+              <a:ext cx="150020" cy="147639"/>
             </a:xfrm>
             <a:custGeom>
               <a:avLst/>
@@ -6240,8 +6240,8 @@
         </p:nvSpPr>
         <p:spPr>
           <a:xfrm>
-            <a:off x="1141411" y="606425"/>
-            <a:ext cx="9912354" cy="3299780"/>
+            <a:off x="1141411" y="606426"/>
+            <a:ext cx="9912355" cy="3299779"/>
           </a:xfrm>
           <a:prstGeom prst="rect">
             <a:avLst/>
@@ -7197,8 +7197,8 @@
         </p:nvSpPr>
         <p:spPr>
           <a:xfrm>
-            <a:off x="4504212" y="3363435"/>
-            <a:ext cx="3195832" cy="2430936"/>
+            <a:off x="4504213" y="3363435"/>
+            <a:ext cx="3195831" cy="2430936"/>
           </a:xfrm>
           <a:prstGeom prst="rect">
             <a:avLst/>
@@ -8074,10 +8074,10 @@
         </p:nvGrpSpPr>
         <p:grpSpPr>
           <a:xfrm>
-            <a:off x="-14288" y="-1"/>
-            <a:ext cx="12053889" cy="6858002"/>
+            <a:off x="-14288" y="0"/>
+            <a:ext cx="12053888" cy="6858001"/>
             <a:chOff x="0" y="0"/>
-            <a:chExt cx="12053888" cy="6858000"/>
+            <a:chExt cx="12053887" cy="6858000"/>
           </a:xfrm>
         </p:grpSpPr>
         <p:grpSp>
@@ -8102,7 +8102,7 @@
             </p:nvSpPr>
             <p:spPr>
               <a:xfrm>
-                <a:off x="128588" y="4763"/>
+                <a:off x="128587" y="4763"/>
                 <a:ext cx="23814" cy="2181225"/>
               </a:xfrm>
               <a:prstGeom prst="rect">
@@ -8150,7 +8150,7 @@
             <p:spPr>
               <a:xfrm>
                 <a:off x="47625" y="2176462"/>
-                <a:ext cx="190501" cy="190501"/>
+                <a:ext cx="190500" cy="190501"/>
               </a:xfrm>
               <a:custGeom>
                 <a:avLst/>
@@ -8472,7 +8472,7 @@
             <p:spPr>
               <a:xfrm>
                 <a:off x="517525" y="1801812"/>
-                <a:ext cx="190501" cy="188914"/>
+                <a:ext cx="190500" cy="188914"/>
               </a:xfrm>
               <a:custGeom>
                 <a:avLst/>
@@ -8768,7 +8768,7 @@
             <p:spPr>
               <a:xfrm>
                 <a:off x="603250" y="1420812"/>
-                <a:ext cx="190501" cy="190501"/>
+                <a:ext cx="190500" cy="190501"/>
               </a:xfrm>
               <a:custGeom>
                 <a:avLst/>
@@ -8884,7 +8884,7 @@
             <p:spPr>
               <a:xfrm>
                 <a:off x="603250" y="903287"/>
-                <a:ext cx="190501" cy="190501"/>
+                <a:ext cx="190500" cy="190501"/>
               </a:xfrm>
               <a:custGeom>
                 <a:avLst/>
@@ -9400,7 +9400,7 @@
             <p:spPr>
               <a:xfrm>
                 <a:off x="142875" y="1382712"/>
-                <a:ext cx="142876" cy="476251"/>
+                <a:ext cx="142875" cy="476251"/>
               </a:xfrm>
               <a:custGeom>
                 <a:avLst/>
@@ -9490,7 +9490,7 @@
             <p:spPr>
               <a:xfrm>
                 <a:off x="219075" y="1849437"/>
-                <a:ext cx="114301" cy="107951"/>
+                <a:ext cx="114300" cy="107951"/>
               </a:xfrm>
               <a:custGeom>
                 <a:avLst/>
@@ -9605,7 +9605,7 @@
             </p:nvSpPr>
             <p:spPr>
               <a:xfrm>
-                <a:off x="147638" y="4662487"/>
+                <a:off x="147637" y="4662487"/>
                 <a:ext cx="23814" cy="2181225"/>
               </a:xfrm>
               <a:prstGeom prst="rect">
@@ -9743,7 +9743,7 @@
             <p:spPr>
               <a:xfrm>
                 <a:off x="66675" y="4481512"/>
-                <a:ext cx="190501" cy="190501"/>
+                <a:ext cx="190500" cy="190501"/>
               </a:xfrm>
               <a:custGeom>
                 <a:avLst/>
@@ -9859,7 +9859,7 @@
             <p:spPr>
               <a:xfrm>
                 <a:off x="0" y="5627687"/>
-                <a:ext cx="85726" cy="1216026"/>
+                <a:ext cx="85725" cy="1216026"/>
               </a:xfrm>
               <a:custGeom>
                 <a:avLst/>
@@ -10065,7 +10065,7 @@
             <p:spPr>
               <a:xfrm>
                 <a:off x="323850" y="5422899"/>
-                <a:ext cx="374651" cy="1425576"/>
+                <a:ext cx="374650" cy="1425576"/>
               </a:xfrm>
               <a:custGeom>
                 <a:avLst/>
@@ -10158,7 +10158,7 @@
             <p:spPr>
               <a:xfrm>
                 <a:off x="584200" y="5945187"/>
-                <a:ext cx="152401" cy="912814"/>
+                <a:ext cx="152400" cy="912814"/>
               </a:xfrm>
               <a:custGeom>
                 <a:avLst/>
@@ -10720,7 +10720,7 @@
           <p:grpSpPr>
             <a:xfrm>
               <a:off x="11386343" y="0"/>
-              <a:ext cx="667546" cy="6848476"/>
+              <a:ext cx="667545" cy="6848476"/>
               <a:chOff x="0" y="0"/>
               <a:chExt cx="667544" cy="6848475"/>
             </a:xfrm>
@@ -11331,7 +11331,7 @@
                 <a:pathLst>
                   <a:path w="21600" h="21600" fill="norm" stroke="1" extrusionOk="0">
                     <a:moveTo>
-                      <a:pt x="1687" y="21600"/>
+                      <a:pt x="1688" y="21600"/>
                     </a:moveTo>
                     <a:lnTo>
                       <a:pt x="0" y="21600"/>
@@ -11352,10 +11352,10 @@
                       <a:pt x="21600" y="13764"/>
                     </a:lnTo>
                     <a:lnTo>
-                      <a:pt x="1687" y="17671"/>
+                      <a:pt x="1688" y="17671"/>
                     </a:lnTo>
                     <a:lnTo>
-                      <a:pt x="1687" y="21600"/>
+                      <a:pt x="1688" y="21600"/>
                     </a:lnTo>
                     <a:close/>
                   </a:path>
@@ -12940,10 +12940,10 @@
         </p:nvGrpSpPr>
         <p:grpSpPr>
           <a:xfrm>
-            <a:off x="-14288" y="-1"/>
-            <a:ext cx="12053889" cy="6858002"/>
+            <a:off x="-14288" y="0"/>
+            <a:ext cx="12053888" cy="6858001"/>
             <a:chOff x="0" y="0"/>
-            <a:chExt cx="12053888" cy="6858000"/>
+            <a:chExt cx="12053887" cy="6858000"/>
           </a:xfrm>
         </p:grpSpPr>
         <p:grpSp>
@@ -12968,7 +12968,7 @@
             </p:nvSpPr>
             <p:spPr>
               <a:xfrm>
-                <a:off x="128588" y="4763"/>
+                <a:off x="128587" y="4763"/>
                 <a:ext cx="23814" cy="2181225"/>
               </a:xfrm>
               <a:prstGeom prst="rect">
@@ -13016,7 +13016,7 @@
             <p:spPr>
               <a:xfrm>
                 <a:off x="47625" y="2176462"/>
-                <a:ext cx="190501" cy="190501"/>
+                <a:ext cx="190500" cy="190501"/>
               </a:xfrm>
               <a:custGeom>
                 <a:avLst/>
@@ -13338,7 +13338,7 @@
             <p:spPr>
               <a:xfrm>
                 <a:off x="517525" y="1801812"/>
-                <a:ext cx="190501" cy="188914"/>
+                <a:ext cx="190500" cy="188914"/>
               </a:xfrm>
               <a:custGeom>
                 <a:avLst/>
@@ -13634,7 +13634,7 @@
             <p:spPr>
               <a:xfrm>
                 <a:off x="603250" y="1420812"/>
-                <a:ext cx="190501" cy="190501"/>
+                <a:ext cx="190500" cy="190501"/>
               </a:xfrm>
               <a:custGeom>
                 <a:avLst/>
@@ -13750,7 +13750,7 @@
             <p:spPr>
               <a:xfrm>
                 <a:off x="603250" y="903287"/>
-                <a:ext cx="190501" cy="190501"/>
+                <a:ext cx="190500" cy="190501"/>
               </a:xfrm>
               <a:custGeom>
                 <a:avLst/>
@@ -14266,7 +14266,7 @@
             <p:spPr>
               <a:xfrm>
                 <a:off x="142875" y="1382712"/>
-                <a:ext cx="142876" cy="476251"/>
+                <a:ext cx="142875" cy="476251"/>
               </a:xfrm>
               <a:custGeom>
                 <a:avLst/>
@@ -14356,7 +14356,7 @@
             <p:spPr>
               <a:xfrm>
                 <a:off x="219075" y="1849437"/>
-                <a:ext cx="114301" cy="107951"/>
+                <a:ext cx="114300" cy="107951"/>
               </a:xfrm>
               <a:custGeom>
                 <a:avLst/>
@@ -14471,7 +14471,7 @@
             </p:nvSpPr>
             <p:spPr>
               <a:xfrm>
-                <a:off x="147638" y="4662487"/>
+                <a:off x="147637" y="4662487"/>
                 <a:ext cx="23814" cy="2181225"/>
               </a:xfrm>
               <a:prstGeom prst="rect">
@@ -14609,7 +14609,7 @@
             <p:spPr>
               <a:xfrm>
                 <a:off x="66675" y="4481512"/>
-                <a:ext cx="190501" cy="190501"/>
+                <a:ext cx="190500" cy="190501"/>
               </a:xfrm>
               <a:custGeom>
                 <a:avLst/>
@@ -14725,7 +14725,7 @@
             <p:spPr>
               <a:xfrm>
                 <a:off x="0" y="5627687"/>
-                <a:ext cx="85726" cy="1216026"/>
+                <a:ext cx="85725" cy="1216026"/>
               </a:xfrm>
               <a:custGeom>
                 <a:avLst/>
@@ -14931,7 +14931,7 @@
             <p:spPr>
               <a:xfrm>
                 <a:off x="323850" y="5422899"/>
-                <a:ext cx="374651" cy="1425576"/>
+                <a:ext cx="374650" cy="1425576"/>
               </a:xfrm>
               <a:custGeom>
                 <a:avLst/>
@@ -15024,7 +15024,7 @@
             <p:spPr>
               <a:xfrm>
                 <a:off x="584200" y="5945187"/>
-                <a:ext cx="152401" cy="912814"/>
+                <a:ext cx="152400" cy="912814"/>
               </a:xfrm>
               <a:custGeom>
                 <a:avLst/>
@@ -15586,7 +15586,7 @@
           <p:grpSpPr>
             <a:xfrm>
               <a:off x="11386343" y="0"/>
-              <a:ext cx="667546" cy="6848476"/>
+              <a:ext cx="667545" cy="6848476"/>
               <a:chOff x="0" y="0"/>
               <a:chExt cx="667544" cy="6848475"/>
             </a:xfrm>
@@ -16197,7 +16197,7 @@
                 <a:pathLst>
                   <a:path w="21600" h="21600" fill="norm" stroke="1" extrusionOk="0">
                     <a:moveTo>
-                      <a:pt x="1687" y="21600"/>
+                      <a:pt x="1688" y="21600"/>
                     </a:moveTo>
                     <a:lnTo>
                       <a:pt x="0" y="21600"/>
@@ -16218,10 +16218,10 @@
                       <a:pt x="21600" y="13764"/>
                     </a:lnTo>
                     <a:lnTo>
-                      <a:pt x="1687" y="17671"/>
+                      <a:pt x="1688" y="17671"/>
                     </a:lnTo>
                     <a:lnTo>
-                      <a:pt x="1687" y="21600"/>
+                      <a:pt x="1688" y="21600"/>
                     </a:lnTo>
                     <a:close/>
                   </a:path>
@@ -16767,8 +16767,8 @@
         </p:nvSpPr>
         <p:spPr>
           <a:xfrm>
-            <a:off x="10803123" y="5950266"/>
-            <a:ext cx="244287" cy="231141"/>
+            <a:off x="10803122" y="5950266"/>
+            <a:ext cx="244288" cy="231141"/>
           </a:xfrm>
           <a:prstGeom prst="rect">
             <a:avLst/>
@@ -17950,7 +17950,7 @@
           <a:p>
             <a:pPr algn="just"/>
             <a:r>
-              <a:t>Can The main objective of this project is very simple analytical work of taking the historical data  and predicting the future.     </a:t>
+              <a:t>The main objective of this project is very simple analytical work of taking the historical data  and predicting the future.     </a:t>
             </a:r>
           </a:p>
           <a:p>

--- a/Project/Document/WebTrafficPrediction_PythonDeepLearning.pptx
+++ b/Project/Document/WebTrafficPrediction_PythonDeepLearning.pptx
@@ -15,6 +15,7 @@
     <p:sldId id="260" r:id="rId12"/>
     <p:sldId id="261" r:id="rId13"/>
     <p:sldId id="262" r:id="rId14"/>
+    <p:sldId id="263" r:id="rId15"/>
   </p:sldIdLst>
   <p:sldSz cx="12192000" cy="6858000"/>
   <p:notesSz cx="6858000" cy="9144000"/>
@@ -17846,7 +17847,7 @@
               <a:defRPr sz="2376"/>
             </a:pPr>
             <a:r>
-              <a:t>Assist In todays world most of the top institution around the world mostly depend upon the IT infrastructure availability. Web site availability plays very important role.</a:t>
+              <a:t>In todays world most of the top institution around the world mostly depend upon the IT infrastructure availability. Web site availability plays very important role.</a:t>
             </a:r>
           </a:p>
           <a:p>
@@ -17857,7 +17858,7 @@
               <a:defRPr sz="2376"/>
             </a:pPr>
             <a:r>
-              <a:t>In order to make sure their Web Infrastructure available 24/7 to their customer organization around the world the world spending a lot in various research and solution.</a:t>
+              <a:t>In order to make sure their Web Infrastructure available 24/7 to their customer organization around the world spending a lot money in various research and solution.</a:t>
             </a:r>
           </a:p>
           <a:p>
@@ -17956,7 +17957,7 @@
           <a:p>
             <a:pPr algn="just"/>
             <a:r>
-              <a:t>The objective of this project is to predict future web traffic for given sets web pages. </a:t>
+              <a:t>The objective of this project is to predict future web traffic for given web pages of their site that are popular and if there are any apparent trends, such as one specific page being viewed mostly by people in a particular country. </a:t>
             </a:r>
           </a:p>
           <a:p>
@@ -18333,6 +18334,122 @@
       <p:sp>
         <p:nvSpPr>
           <p:cNvPr id="338" name="Title 1"/>
+          <p:cNvSpPr txBox="1"/>
+          <p:nvPr>
+            <p:ph type="title"/>
+          </p:nvPr>
+        </p:nvSpPr>
+        <p:spPr>
+          <a:xfrm>
+            <a:off x="1509713" y="440718"/>
+            <a:ext cx="9905998" cy="1478571"/>
+          </a:xfrm>
+          <a:prstGeom prst="rect">
+            <a:avLst/>
+          </a:prstGeom>
+        </p:spPr>
+        <p:txBody>
+          <a:bodyPr/>
+          <a:lstStyle/>
+          <a:p>
+            <a:pPr/>
+            <a:r>
+              <a:t>References	</a:t>
+            </a:r>
+          </a:p>
+        </p:txBody>
+      </p:sp>
+      <p:sp>
+        <p:nvSpPr>
+          <p:cNvPr id="339" name="Content Placeholder 2"/>
+          <p:cNvSpPr txBox="1"/>
+          <p:nvPr>
+            <p:ph type="body" idx="1"/>
+          </p:nvPr>
+        </p:nvSpPr>
+        <p:spPr>
+          <a:xfrm>
+            <a:off x="1331911" y="1995486"/>
+            <a:ext cx="9906001" cy="3541715"/>
+          </a:xfrm>
+          <a:prstGeom prst="rect">
+            <a:avLst/>
+          </a:prstGeom>
+        </p:spPr>
+        <p:txBody>
+          <a:bodyPr/>
+          <a:lstStyle/>
+          <a:p>
+            <a:pPr algn="just"/>
+            <a:r>
+              <a:rPr u="sng">
+                <a:solidFill>
+                  <a:srgbClr val="B8FA56"/>
+                </a:solidFill>
+                <a:uFill>
+                  <a:solidFill>
+                    <a:srgbClr val="B8FA56"/>
+                  </a:solidFill>
+                </a:uFill>
+                <a:hlinkClick r:id="rId2" invalidUrl="" action="" tgtFrame="" tooltip="" history="1" highlightClick="0" endSnd="0"/>
+              </a:rPr>
+              <a:t>https://en.wikipedia.org/wiki/Web_traffic</a:t>
+            </a:r>
+          </a:p>
+          <a:p>
+            <a:pPr algn="just"/>
+          </a:p>
+          <a:p>
+            <a:pPr algn="just"/>
+            <a:r>
+              <a:rPr u="sng">
+                <a:solidFill>
+                  <a:srgbClr val="B8FA56"/>
+                </a:solidFill>
+                <a:uFill>
+                  <a:solidFill>
+                    <a:srgbClr val="B8FA56"/>
+                  </a:solidFill>
+                </a:uFill>
+                <a:hlinkClick r:id="rId3" invalidUrl="" action="" tgtFrame="" tooltip="" history="1" highlightClick="0" endSnd="0"/>
+              </a:rPr>
+              <a:t>https://www.kaggle.com/c/web-traffic-time-series-forecasting</a:t>
+            </a:r>
+          </a:p>
+          <a:p>
+            <a:pPr algn="just"/>
+          </a:p>
+        </p:txBody>
+      </p:sp>
+    </p:spTree>
+  </p:cSld>
+  <p:clrMapOvr>
+    <a:masterClrMapping/>
+  </p:clrMapOvr>
+  <p:transition xmlns:p14="http://schemas.microsoft.com/office/powerpoint/2010/main" spd="med" advClick="1"/>
+</p:sld>
+</file>
+
+<file path=ppt/slides/slide8.xml><?xml version="1.0" encoding="utf-8"?>
+<p:sld xmlns:a="http://schemas.openxmlformats.org/drawingml/2006/main" xmlns:r="http://schemas.openxmlformats.org/officeDocument/2006/relationships" xmlns:p="http://schemas.openxmlformats.org/presentationml/2006/main" xmlns:m="http://schemas.openxmlformats.org/officeDocument/2006/math" xmlns:a14="http://schemas.microsoft.com/office/drawing/2010/main" showMasterSp="1" showMasterPhAnim="1">
+  <p:cSld>
+    <p:spTree>
+      <p:nvGrpSpPr>
+        <p:cNvPr id="1" name=""/>
+        <p:cNvGrpSpPr/>
+        <p:nvPr/>
+      </p:nvGrpSpPr>
+      <p:grpSpPr>
+        <a:xfrm>
+          <a:off x="0" y="0"/>
+          <a:ext cx="0" cy="0"/>
+          <a:chOff x="0" y="0"/>
+          <a:chExt cx="0" cy="0"/>
+        </a:xfrm>
+      </p:grpSpPr>
+      <p:sp>
+        <p:nvSpPr>
+          <p:cNvPr id="341" name="Title 1"/>
           <p:cNvSpPr txBox="1"/>
           <p:nvPr>
             <p:ph type="title"/>

--- a/Project/Document/WebTrafficPrediction_PythonDeepLearning.pptx
+++ b/Project/Document/WebTrafficPrediction_PythonDeepLearning.pptx
@@ -16,6 +16,7 @@
     <p:sldId id="261" r:id="rId13"/>
     <p:sldId id="262" r:id="rId14"/>
     <p:sldId id="263" r:id="rId15"/>
+    <p:sldId id="264" r:id="rId16"/>
   </p:sldIdLst>
   <p:sldSz cx="12192000" cy="6858000"/>
   <p:notesSz cx="6858000" cy="9144000"/>
@@ -18341,6 +18342,119 @@
         </p:nvSpPr>
         <p:spPr>
           <a:xfrm>
+            <a:off x="1486312" y="195005"/>
+            <a:ext cx="9905998" cy="987650"/>
+          </a:xfrm>
+          <a:prstGeom prst="rect">
+            <a:avLst/>
+          </a:prstGeom>
+        </p:spPr>
+        <p:txBody>
+          <a:bodyPr/>
+          <a:lstStyle/>
+          <a:p>
+            <a:pPr/>
+            <a:r>
+              <a:t>Data Set	cont..</a:t>
+            </a:r>
+          </a:p>
+        </p:txBody>
+      </p:sp>
+      <p:sp>
+        <p:nvSpPr>
+          <p:cNvPr id="339" name="Content Placeholder 2"/>
+          <p:cNvSpPr txBox="1"/>
+          <p:nvPr>
+            <p:ph type="body" idx="1"/>
+          </p:nvPr>
+        </p:nvSpPr>
+        <p:spPr>
+          <a:xfrm>
+            <a:off x="1343612" y="1129644"/>
+            <a:ext cx="9906000" cy="3541715"/>
+          </a:xfrm>
+          <a:prstGeom prst="rect">
+            <a:avLst/>
+          </a:prstGeom>
+        </p:spPr>
+        <p:txBody>
+          <a:bodyPr/>
+          <a:lstStyle>
+            <a:lvl1pPr algn="just"/>
+          </a:lstStyle>
+          <a:p>
+            <a:pPr/>
+            <a:r>
+              <a:t>train_*.csv file will look something like screenshot included below:</a:t>
+            </a:r>
+          </a:p>
+        </p:txBody>
+      </p:sp>
+      <p:pic>
+        <p:nvPicPr>
+          <p:cNvPr id="340" name="Image" descr="Image"/>
+          <p:cNvPicPr>
+            <a:picLocks noChangeAspect="1"/>
+          </p:cNvPicPr>
+          <p:nvPr/>
+        </p:nvPicPr>
+        <p:blipFill>
+          <a:blip r:embed="rId2">
+            <a:extLst/>
+          </a:blip>
+          <a:stretch>
+            <a:fillRect/>
+          </a:stretch>
+        </p:blipFill>
+        <p:spPr>
+          <a:xfrm>
+            <a:off x="1577996" y="1970503"/>
+            <a:ext cx="9036008" cy="4410716"/>
+          </a:xfrm>
+          <a:prstGeom prst="rect">
+            <a:avLst/>
+          </a:prstGeom>
+          <a:ln w="12700">
+            <a:miter lim="400000"/>
+          </a:ln>
+        </p:spPr>
+      </p:pic>
+    </p:spTree>
+  </p:cSld>
+  <p:clrMapOvr>
+    <a:masterClrMapping/>
+  </p:clrMapOvr>
+  <p:transition xmlns:p14="http://schemas.microsoft.com/office/powerpoint/2010/main" spd="med" advClick="1"/>
+</p:sld>
+</file>
+
+<file path=ppt/slides/slide8.xml><?xml version="1.0" encoding="utf-8"?>
+<p:sld xmlns:a="http://schemas.openxmlformats.org/drawingml/2006/main" xmlns:r="http://schemas.openxmlformats.org/officeDocument/2006/relationships" xmlns:p="http://schemas.openxmlformats.org/presentationml/2006/main" xmlns:m="http://schemas.openxmlformats.org/officeDocument/2006/math" xmlns:a14="http://schemas.microsoft.com/office/drawing/2010/main" showMasterSp="1" showMasterPhAnim="1">
+  <p:cSld>
+    <p:spTree>
+      <p:nvGrpSpPr>
+        <p:cNvPr id="1" name=""/>
+        <p:cNvGrpSpPr/>
+        <p:nvPr/>
+      </p:nvGrpSpPr>
+      <p:grpSpPr>
+        <a:xfrm>
+          <a:off x="0" y="0"/>
+          <a:ext cx="0" cy="0"/>
+          <a:chOff x="0" y="0"/>
+          <a:chExt cx="0" cy="0"/>
+        </a:xfrm>
+      </p:grpSpPr>
+      <p:sp>
+        <p:nvSpPr>
+          <p:cNvPr id="342" name="Title 1"/>
+          <p:cNvSpPr txBox="1"/>
+          <p:nvPr>
+            <p:ph type="title"/>
+          </p:nvPr>
+        </p:nvSpPr>
+        <p:spPr>
+          <a:xfrm>
             <a:off x="1509713" y="440718"/>
             <a:ext cx="9905998" cy="1478571"/>
           </a:xfrm>
@@ -18361,7 +18475,7 @@
       </p:sp>
       <p:sp>
         <p:nvSpPr>
-          <p:cNvPr id="339" name="Content Placeholder 2"/>
+          <p:cNvPr id="343" name="Content Placeholder 2"/>
           <p:cNvSpPr txBox="1"/>
           <p:nvPr>
             <p:ph type="body" idx="1"/>
@@ -18430,7 +18544,7 @@
 </p:sld>
 </file>
 
-<file path=ppt/slides/slide8.xml><?xml version="1.0" encoding="utf-8"?>
+<file path=ppt/slides/slide9.xml><?xml version="1.0" encoding="utf-8"?>
 <p:sld xmlns:a="http://schemas.openxmlformats.org/drawingml/2006/main" xmlns:r="http://schemas.openxmlformats.org/officeDocument/2006/relationships" xmlns:p="http://schemas.openxmlformats.org/presentationml/2006/main" xmlns:m="http://schemas.openxmlformats.org/officeDocument/2006/math" xmlns:a14="http://schemas.microsoft.com/office/drawing/2010/main" showMasterSp="1" showMasterPhAnim="1">
   <p:cSld>
     <p:spTree>
@@ -18449,7 +18563,7 @@
       </p:grpSpPr>
       <p:sp>
         <p:nvSpPr>
-          <p:cNvPr id="341" name="Title 1"/>
+          <p:cNvPr id="345" name="Title 1"/>
           <p:cNvSpPr txBox="1"/>
           <p:nvPr>
             <p:ph type="title"/>
